--- a/files/Шаблон/Итоговый_отчет.pptx
+++ b/files/Шаблон/Итоговый_отчет.pptx
@@ -224,7 +224,7 @@
           <a:p>
             <a:fld id="{D64AB79E-072E-498B-B340-7CD6BDD5A00B}" type="datetimeFigureOut">
               <a:rPr lang="ru-RU" smtClean="0"/>
-              <a:t>29.11.2023</a:t>
+              <a:t>12.07.2024</a:t>
             </a:fld>
             <a:endParaRPr lang="ru-RU"/>
           </a:p>
@@ -1208,7 +1208,7 @@
           <a:p>
             <a:fld id="{D100D879-8401-4A42-B020-FEF5D809A1D6}" type="datetimeFigureOut">
               <a:rPr lang="ru-RU" smtClean="0"/>
-              <a:t>29.11.2023</a:t>
+              <a:t>12.07.2024</a:t>
             </a:fld>
             <a:endParaRPr lang="ru-RU"/>
           </a:p>
@@ -1376,7 +1376,7 @@
           <a:p>
             <a:fld id="{D100D879-8401-4A42-B020-FEF5D809A1D6}" type="datetimeFigureOut">
               <a:rPr lang="ru-RU" smtClean="0"/>
-              <a:t>29.11.2023</a:t>
+              <a:t>12.07.2024</a:t>
             </a:fld>
             <a:endParaRPr lang="ru-RU"/>
           </a:p>
@@ -1554,7 +1554,7 @@
           <a:p>
             <a:fld id="{D100D879-8401-4A42-B020-FEF5D809A1D6}" type="datetimeFigureOut">
               <a:rPr lang="ru-RU" smtClean="0"/>
-              <a:t>29.11.2023</a:t>
+              <a:t>12.07.2024</a:t>
             </a:fld>
             <a:endParaRPr lang="ru-RU"/>
           </a:p>
@@ -1722,7 +1722,7 @@
           <a:p>
             <a:fld id="{D100D879-8401-4A42-B020-FEF5D809A1D6}" type="datetimeFigureOut">
               <a:rPr lang="ru-RU" smtClean="0"/>
-              <a:t>29.11.2023</a:t>
+              <a:t>12.07.2024</a:t>
             </a:fld>
             <a:endParaRPr lang="ru-RU"/>
           </a:p>
@@ -1967,7 +1967,7 @@
           <a:p>
             <a:fld id="{D100D879-8401-4A42-B020-FEF5D809A1D6}" type="datetimeFigureOut">
               <a:rPr lang="ru-RU" smtClean="0"/>
-              <a:t>29.11.2023</a:t>
+              <a:t>12.07.2024</a:t>
             </a:fld>
             <a:endParaRPr lang="ru-RU"/>
           </a:p>
@@ -2196,7 +2196,7 @@
           <a:p>
             <a:fld id="{D100D879-8401-4A42-B020-FEF5D809A1D6}" type="datetimeFigureOut">
               <a:rPr lang="ru-RU" smtClean="0"/>
-              <a:t>29.11.2023</a:t>
+              <a:t>12.07.2024</a:t>
             </a:fld>
             <a:endParaRPr lang="ru-RU"/>
           </a:p>
@@ -2560,7 +2560,7 @@
           <a:p>
             <a:fld id="{D100D879-8401-4A42-B020-FEF5D809A1D6}" type="datetimeFigureOut">
               <a:rPr lang="ru-RU" smtClean="0"/>
-              <a:t>29.11.2023</a:t>
+              <a:t>12.07.2024</a:t>
             </a:fld>
             <a:endParaRPr lang="ru-RU"/>
           </a:p>
@@ -2677,7 +2677,7 @@
           <a:p>
             <a:fld id="{D100D879-8401-4A42-B020-FEF5D809A1D6}" type="datetimeFigureOut">
               <a:rPr lang="ru-RU" smtClean="0"/>
-              <a:t>29.11.2023</a:t>
+              <a:t>12.07.2024</a:t>
             </a:fld>
             <a:endParaRPr lang="ru-RU"/>
           </a:p>
@@ -2772,7 +2772,7 @@
           <a:p>
             <a:fld id="{D100D879-8401-4A42-B020-FEF5D809A1D6}" type="datetimeFigureOut">
               <a:rPr lang="ru-RU" smtClean="0"/>
-              <a:t>29.11.2023</a:t>
+              <a:t>12.07.2024</a:t>
             </a:fld>
             <a:endParaRPr lang="ru-RU"/>
           </a:p>
@@ -3047,7 +3047,7 @@
           <a:p>
             <a:fld id="{D100D879-8401-4A42-B020-FEF5D809A1D6}" type="datetimeFigureOut">
               <a:rPr lang="ru-RU" smtClean="0"/>
-              <a:t>29.11.2023</a:t>
+              <a:t>12.07.2024</a:t>
             </a:fld>
             <a:endParaRPr lang="ru-RU"/>
           </a:p>
@@ -3299,7 +3299,7 @@
           <a:p>
             <a:fld id="{D100D879-8401-4A42-B020-FEF5D809A1D6}" type="datetimeFigureOut">
               <a:rPr lang="ru-RU" smtClean="0"/>
-              <a:t>29.11.2023</a:t>
+              <a:t>12.07.2024</a:t>
             </a:fld>
             <a:endParaRPr lang="ru-RU"/>
           </a:p>
@@ -3510,7 +3510,7 @@
           <a:p>
             <a:fld id="{D100D879-8401-4A42-B020-FEF5D809A1D6}" type="datetimeFigureOut">
               <a:rPr lang="ru-RU" smtClean="0"/>
-              <a:t>29.11.2023</a:t>
+              <a:t>12.07.2024</a:t>
             </a:fld>
             <a:endParaRPr lang="ru-RU"/>
           </a:p>
@@ -4226,6 +4226,17 @@
           <a:lstStyle/>
           <a:p>
             <a:pPr lvl="0" algn="ctr"/>
+            <a:r>
+              <a:rPr lang="ru-RU" sz="3200" b="1" dirty="0">
+                <a:solidFill>
+                  <a:prstClr val="black"/>
+                </a:solidFill>
+                <a:latin typeface="Segoe UI" panose="020B0502040204020203" pitchFamily="34" charset="0"/>
+                <a:ea typeface="Tahoma" pitchFamily="34" charset="0"/>
+                <a:cs typeface="Segoe UI" panose="020B0502040204020203" pitchFamily="34" charset="0"/>
+              </a:rPr>
+              <a:t/>
+            </a:r>
             <a:br>
               <a:rPr lang="ru-RU" sz="3200" b="1" dirty="0">
                 <a:solidFill>
@@ -8253,7 +8264,27 @@
                 <a:latin typeface="Segoe UI" panose="020B0502040204020203" pitchFamily="34" charset="0"/>
                 <a:cs typeface="Segoe UI" panose="020B0502040204020203" pitchFamily="34" charset="0"/>
               </a:rPr>
-              <a:t>Качество исходных замеров датчиков акселерометра, в целом, удовлетворительное.</a:t>
+              <a:t>Качество исходных замеров датчиков </a:t>
+            </a:r>
+            <a:r>
+              <a:rPr lang="ru-RU" sz="1400" dirty="0" smtClean="0">
+                <a:solidFill>
+                  <a:prstClr val="black"/>
+                </a:solidFill>
+                <a:latin typeface="Segoe UI" panose="020B0502040204020203" pitchFamily="34" charset="0"/>
+                <a:cs typeface="Segoe UI" panose="020B0502040204020203" pitchFamily="34" charset="0"/>
+              </a:rPr>
+              <a:t>акселерометров, </a:t>
+            </a:r>
+            <a:r>
+              <a:rPr lang="ru-RU" sz="1400" dirty="0">
+                <a:solidFill>
+                  <a:prstClr val="black"/>
+                </a:solidFill>
+                <a:latin typeface="Segoe UI" panose="020B0502040204020203" pitchFamily="34" charset="0"/>
+                <a:cs typeface="Segoe UI" panose="020B0502040204020203" pitchFamily="34" charset="0"/>
+              </a:rPr>
+              <a:t>в целом, удовлетворительное.</a:t>
             </a:r>
             <a:r>
               <a:rPr lang="en-US" sz="1400" dirty="0">
@@ -8679,7 +8710,21 @@
                 <a:latin typeface="Segoe UI" panose="020B0502040204020203" pitchFamily="34" charset="0"/>
                 <a:cs typeface="Segoe UI" panose="020B0502040204020203" pitchFamily="34" charset="0"/>
               </a:rPr>
-              <a:t>Качество замеров датчиков магнитометра удовлетворительное. Отсутствуют значительные перепады по параметру напряжённости геомагнитного поля (</a:t>
+              <a:t>Качество замеров датчиков </a:t>
+            </a:r>
+            <a:r>
+              <a:rPr lang="ru-RU" sz="1400" dirty="0" smtClean="0">
+                <a:latin typeface="Segoe UI" panose="020B0502040204020203" pitchFamily="34" charset="0"/>
+                <a:cs typeface="Segoe UI" panose="020B0502040204020203" pitchFamily="34" charset="0"/>
+              </a:rPr>
+              <a:t>магнитометров </a:t>
+            </a:r>
+            <a:r>
+              <a:rPr lang="ru-RU" sz="1400" dirty="0">
+                <a:latin typeface="Segoe UI" panose="020B0502040204020203" pitchFamily="34" charset="0"/>
+                <a:cs typeface="Segoe UI" panose="020B0502040204020203" pitchFamily="34" charset="0"/>
+              </a:rPr>
+              <a:t>удовлетворительное. Отсутствуют значительные перепады по параметру напряжённости геомагнитного поля (</a:t>
             </a:r>
             <a:r>
               <a:rPr lang="en-US" sz="1400" dirty="0">
@@ -9204,7 +9249,35 @@
                 <a:latin typeface="Segoe UI" panose="020B0502040204020203" pitchFamily="34" charset="0"/>
                 <a:cs typeface="Segoe UI" panose="020B0502040204020203" pitchFamily="34" charset="0"/>
               </a:rPr>
-              <a:t>Качество исходных замеров датчиков акселерометра и магнитометра, удовлетворительное. Замеры не прошедшие контроль качества были исключены из многоточечного анализа (MSA);</a:t>
+              <a:t>Качество исходных замеров датчиков </a:t>
+            </a:r>
+            <a:r>
+              <a:rPr lang="ru-RU" sz="1350" dirty="0" smtClean="0">
+                <a:latin typeface="Segoe UI" panose="020B0502040204020203" pitchFamily="34" charset="0"/>
+                <a:cs typeface="Segoe UI" panose="020B0502040204020203" pitchFamily="34" charset="0"/>
+              </a:rPr>
+              <a:t>акселерометров </a:t>
+            </a:r>
+            <a:r>
+              <a:rPr lang="ru-RU" sz="1350">
+                <a:latin typeface="Segoe UI" panose="020B0502040204020203" pitchFamily="34" charset="0"/>
+                <a:cs typeface="Segoe UI" panose="020B0502040204020203" pitchFamily="34" charset="0"/>
+              </a:rPr>
+              <a:t>и </a:t>
+            </a:r>
+            <a:r>
+              <a:rPr lang="ru-RU" sz="1350" smtClean="0">
+                <a:latin typeface="Segoe UI" panose="020B0502040204020203" pitchFamily="34" charset="0"/>
+                <a:cs typeface="Segoe UI" panose="020B0502040204020203" pitchFamily="34" charset="0"/>
+              </a:rPr>
+              <a:t>магнитометров </a:t>
+            </a:r>
+            <a:r>
+              <a:rPr lang="ru-RU" sz="1350" dirty="0">
+                <a:latin typeface="Segoe UI" panose="020B0502040204020203" pitchFamily="34" charset="0"/>
+                <a:cs typeface="Segoe UI" panose="020B0502040204020203" pitchFamily="34" charset="0"/>
+              </a:rPr>
+              <a:t>удовлетворительное. Замеры не прошедшие контроль качества были исключены из многоточечного анализа (MSA);</a:t>
             </a:r>
           </a:p>
           <a:p>

--- a/files/Шаблон/Итоговый_отчет.pptx
+++ b/files/Шаблон/Итоговый_отчет.pptx
@@ -224,7 +224,7 @@
           <a:p>
             <a:fld id="{D64AB79E-072E-498B-B340-7CD6BDD5A00B}" type="datetimeFigureOut">
               <a:rPr lang="ru-RU" smtClean="0"/>
-              <a:t>12.07.2024</a:t>
+              <a:t>20.12.2024</a:t>
             </a:fld>
             <a:endParaRPr lang="ru-RU"/>
           </a:p>
@@ -1208,7 +1208,7 @@
           <a:p>
             <a:fld id="{D100D879-8401-4A42-B020-FEF5D809A1D6}" type="datetimeFigureOut">
               <a:rPr lang="ru-RU" smtClean="0"/>
-              <a:t>12.07.2024</a:t>
+              <a:t>20.12.2024</a:t>
             </a:fld>
             <a:endParaRPr lang="ru-RU"/>
           </a:p>
@@ -1376,7 +1376,7 @@
           <a:p>
             <a:fld id="{D100D879-8401-4A42-B020-FEF5D809A1D6}" type="datetimeFigureOut">
               <a:rPr lang="ru-RU" smtClean="0"/>
-              <a:t>12.07.2024</a:t>
+              <a:t>20.12.2024</a:t>
             </a:fld>
             <a:endParaRPr lang="ru-RU"/>
           </a:p>
@@ -1554,7 +1554,7 @@
           <a:p>
             <a:fld id="{D100D879-8401-4A42-B020-FEF5D809A1D6}" type="datetimeFigureOut">
               <a:rPr lang="ru-RU" smtClean="0"/>
-              <a:t>12.07.2024</a:t>
+              <a:t>20.12.2024</a:t>
             </a:fld>
             <a:endParaRPr lang="ru-RU"/>
           </a:p>
@@ -1722,7 +1722,7 @@
           <a:p>
             <a:fld id="{D100D879-8401-4A42-B020-FEF5D809A1D6}" type="datetimeFigureOut">
               <a:rPr lang="ru-RU" smtClean="0"/>
-              <a:t>12.07.2024</a:t>
+              <a:t>20.12.2024</a:t>
             </a:fld>
             <a:endParaRPr lang="ru-RU"/>
           </a:p>
@@ -1967,7 +1967,7 @@
           <a:p>
             <a:fld id="{D100D879-8401-4A42-B020-FEF5D809A1D6}" type="datetimeFigureOut">
               <a:rPr lang="ru-RU" smtClean="0"/>
-              <a:t>12.07.2024</a:t>
+              <a:t>20.12.2024</a:t>
             </a:fld>
             <a:endParaRPr lang="ru-RU"/>
           </a:p>
@@ -2196,7 +2196,7 @@
           <a:p>
             <a:fld id="{D100D879-8401-4A42-B020-FEF5D809A1D6}" type="datetimeFigureOut">
               <a:rPr lang="ru-RU" smtClean="0"/>
-              <a:t>12.07.2024</a:t>
+              <a:t>20.12.2024</a:t>
             </a:fld>
             <a:endParaRPr lang="ru-RU"/>
           </a:p>
@@ -2560,7 +2560,7 @@
           <a:p>
             <a:fld id="{D100D879-8401-4A42-B020-FEF5D809A1D6}" type="datetimeFigureOut">
               <a:rPr lang="ru-RU" smtClean="0"/>
-              <a:t>12.07.2024</a:t>
+              <a:t>20.12.2024</a:t>
             </a:fld>
             <a:endParaRPr lang="ru-RU"/>
           </a:p>
@@ -2677,7 +2677,7 @@
           <a:p>
             <a:fld id="{D100D879-8401-4A42-B020-FEF5D809A1D6}" type="datetimeFigureOut">
               <a:rPr lang="ru-RU" smtClean="0"/>
-              <a:t>12.07.2024</a:t>
+              <a:t>20.12.2024</a:t>
             </a:fld>
             <a:endParaRPr lang="ru-RU"/>
           </a:p>
@@ -2772,7 +2772,7 @@
           <a:p>
             <a:fld id="{D100D879-8401-4A42-B020-FEF5D809A1D6}" type="datetimeFigureOut">
               <a:rPr lang="ru-RU" smtClean="0"/>
-              <a:t>12.07.2024</a:t>
+              <a:t>20.12.2024</a:t>
             </a:fld>
             <a:endParaRPr lang="ru-RU"/>
           </a:p>
@@ -3047,7 +3047,7 @@
           <a:p>
             <a:fld id="{D100D879-8401-4A42-B020-FEF5D809A1D6}" type="datetimeFigureOut">
               <a:rPr lang="ru-RU" smtClean="0"/>
-              <a:t>12.07.2024</a:t>
+              <a:t>20.12.2024</a:t>
             </a:fld>
             <a:endParaRPr lang="ru-RU"/>
           </a:p>
@@ -3299,7 +3299,7 @@
           <a:p>
             <a:fld id="{D100D879-8401-4A42-B020-FEF5D809A1D6}" type="datetimeFigureOut">
               <a:rPr lang="ru-RU" smtClean="0"/>
-              <a:t>12.07.2024</a:t>
+              <a:t>20.12.2024</a:t>
             </a:fld>
             <a:endParaRPr lang="ru-RU"/>
           </a:p>
@@ -3510,7 +3510,7 @@
           <a:p>
             <a:fld id="{D100D879-8401-4A42-B020-FEF5D809A1D6}" type="datetimeFigureOut">
               <a:rPr lang="ru-RU" smtClean="0"/>
-              <a:t>12.07.2024</a:t>
+              <a:t>20.12.2024</a:t>
             </a:fld>
             <a:endParaRPr lang="ru-RU"/>
           </a:p>
@@ -9212,7 +9212,7 @@
         <p:spPr>
           <a:xfrm>
             <a:off x="500497" y="703581"/>
-            <a:ext cx="11453205" cy="2831544"/>
+            <a:ext cx="11453205" cy="3454792"/>
           </a:xfrm>
           <a:prstGeom prst="rect">
             <a:avLst/>
@@ -9259,14 +9259,14 @@
               <a:t>акселерометров </a:t>
             </a:r>
             <a:r>
-              <a:rPr lang="ru-RU" sz="1350">
+              <a:rPr lang="ru-RU" sz="1350" dirty="0">
                 <a:latin typeface="Segoe UI" panose="020B0502040204020203" pitchFamily="34" charset="0"/>
                 <a:cs typeface="Segoe UI" panose="020B0502040204020203" pitchFamily="34" charset="0"/>
               </a:rPr>
               <a:t>и </a:t>
             </a:r>
             <a:r>
-              <a:rPr lang="ru-RU" sz="1350" smtClean="0">
+              <a:rPr lang="ru-RU" sz="1350" dirty="0" smtClean="0">
                 <a:latin typeface="Segoe UI" panose="020B0502040204020203" pitchFamily="34" charset="0"/>
                 <a:cs typeface="Segoe UI" panose="020B0502040204020203" pitchFamily="34" charset="0"/>
               </a:rPr>
@@ -9612,6 +9612,40 @@
               </a:rPr>
               <a:t>MD м. </a:t>
             </a:r>
+            <a:endParaRPr lang="en-US" sz="1350" dirty="0" smtClean="0">
+              <a:latin typeface="Segoe UI" panose="020B0502040204020203" pitchFamily="34" charset="0"/>
+              <a:cs typeface="Segoe UI" panose="020B0502040204020203" pitchFamily="34" charset="0"/>
+            </a:endParaRPr>
+          </a:p>
+          <a:p>
+            <a:pPr marL="285750" indent="-285750" algn="just">
+              <a:lnSpc>
+                <a:spcPct val="150000"/>
+              </a:lnSpc>
+              <a:buClr>
+                <a:srgbClr val="FFD200"/>
+              </a:buClr>
+              <a:buFont typeface="Wingdings" panose="05000000000000000000" pitchFamily="2" charset="2"/>
+              <a:buChar char="§"/>
+            </a:pPr>
+            <a:r>
+              <a:rPr lang="ru-RU" sz="1350" dirty="0" smtClean="0">
+                <a:latin typeface="Segoe UI" panose="020B0502040204020203" pitchFamily="34" charset="0"/>
+                <a:cs typeface="Segoe UI" panose="020B0502040204020203" pitchFamily="34" charset="0"/>
+              </a:rPr>
+              <a:t>По результатам анализа данных из памяти прибора, наблюдается соответствие исходных замеров датчиков акселерометров и магнитометров замерам, переданным подрядчиком по ННБ в процессе бурения</a:t>
+            </a:r>
+            <a:r>
+              <a:rPr lang="en-US" sz="1350" dirty="0" smtClean="0">
+                <a:latin typeface="Segoe UI" panose="020B0502040204020203" pitchFamily="34" charset="0"/>
+                <a:cs typeface="Segoe UI" panose="020B0502040204020203" pitchFamily="34" charset="0"/>
+              </a:rPr>
+              <a:t>;</a:t>
+            </a:r>
+            <a:endParaRPr lang="en-US" sz="1350" dirty="0" smtClean="0">
+              <a:latin typeface="Segoe UI" panose="020B0502040204020203" pitchFamily="34" charset="0"/>
+              <a:cs typeface="Segoe UI" panose="020B0502040204020203" pitchFamily="34" charset="0"/>
+            </a:endParaRPr>
           </a:p>
         </p:txBody>
       </p:sp>
@@ -9623,7 +9657,7 @@
         </p:nvSpPr>
         <p:spPr>
           <a:xfrm>
-            <a:off x="542429" y="3784809"/>
+            <a:off x="636608" y="4375012"/>
             <a:ext cx="11453205" cy="1554272"/>
           </a:xfrm>
           <a:prstGeom prst="rect">
